--- a/03.Hooking into Apps for SharePoint/Hooking into Apps for SharePoint.pptx
+++ b/03.Hooking into Apps for SharePoint/Hooking into Apps for SharePoint.pptx
@@ -6,10 +6,10 @@
     <p:sldMasterId id="2147484046" r:id="rId5"/>
   </p:sldMasterIdLst>
   <p:notesMasterIdLst>
-    <p:notesMasterId r:id="rId51"/>
+    <p:notesMasterId r:id="rId50"/>
   </p:notesMasterIdLst>
   <p:handoutMasterIdLst>
-    <p:handoutMasterId r:id="rId52"/>
+    <p:handoutMasterId r:id="rId51"/>
   </p:handoutMasterIdLst>
   <p:sldIdLst>
     <p:sldId id="778" r:id="rId6"/>
@@ -48,15 +48,14 @@
     <p:sldId id="870" r:id="rId39"/>
     <p:sldId id="858" r:id="rId40"/>
     <p:sldId id="859" r:id="rId41"/>
-    <p:sldId id="872" r:id="rId42"/>
-    <p:sldId id="874" r:id="rId43"/>
-    <p:sldId id="875" r:id="rId44"/>
-    <p:sldId id="876" r:id="rId45"/>
-    <p:sldId id="877" r:id="rId46"/>
-    <p:sldId id="878" r:id="rId47"/>
-    <p:sldId id="860" r:id="rId48"/>
-    <p:sldId id="892" r:id="rId49"/>
-    <p:sldId id="654" r:id="rId50"/>
+    <p:sldId id="874" r:id="rId42"/>
+    <p:sldId id="875" r:id="rId43"/>
+    <p:sldId id="876" r:id="rId44"/>
+    <p:sldId id="877" r:id="rId45"/>
+    <p:sldId id="878" r:id="rId46"/>
+    <p:sldId id="860" r:id="rId47"/>
+    <p:sldId id="892" r:id="rId48"/>
+    <p:sldId id="654" r:id="rId49"/>
   </p:sldIdLst>
   <p:sldSz cx="12188825" cy="6858000"/>
   <p:notesSz cx="6858000" cy="9144000"/>
@@ -3774,29 +3773,7 @@
           <a:p>
             <a:r>
               <a:rPr lang="en-US" dirty="0" smtClean="0"/>
-              <a:t>This is an optional component</a:t>
-            </a:r>
-          </a:p>
-          <a:p>
-            <a:r>
-              <a:rPr lang="en-US" dirty="0" smtClean="0"/>
-              <a:t>You could also use HTML5 to build your own cache</a:t>
-            </a:r>
-          </a:p>
-          <a:p>
-            <a:r>
-              <a:rPr lang="en-US" dirty="0" smtClean="0"/>
-              <a:t>But you really need to save the standard tokens because you will</a:t>
-            </a:r>
-            <a:r>
-              <a:rPr lang="en-US" baseline="0" dirty="0" smtClean="0"/>
-              <a:t> need them on other pages in the app</a:t>
-            </a:r>
-          </a:p>
-          <a:p>
-            <a:r>
-              <a:rPr lang="en-US" baseline="0" dirty="0" smtClean="0"/>
-              <a:t>That’s the basic problem: you need the standard tokens in many places, so you can cache them or pass them along</a:t>
+              <a:t>Makes it possible to call the app web or host web from JavaScript in the remote web</a:t>
             </a:r>
             <a:endParaRPr lang="en-US" dirty="0"/>
           </a:p>
@@ -3817,7 +3794,7 @@
           <a:bodyPr/>
           <a:lstStyle/>
           <a:p>
-            <a:fld id="{5CA12F01-F32E-42E6-9812-70BEA5DBCFD4}" type="datetime1">
+            <a:fld id="{4ADE35DD-7265-41C6-9E2A-205ADF0B08D5}" type="datetime1">
               <a:rPr lang="en-US" smtClean="0"/>
               <a:t>8/21/2014</a:t>
             </a:fld>
@@ -3950,7 +3927,7 @@
     </p:spTree>
     <p:extLst>
       <p:ext uri="{BB962C8B-B14F-4D97-AF65-F5344CB8AC3E}">
-        <p14:creationId xmlns:p14="http://schemas.microsoft.com/office/powerpoint/2010/main" val="834101685"/>
+        <p14:creationId xmlns:p14="http://schemas.microsoft.com/office/powerpoint/2010/main" val="2842563969"/>
       </p:ext>
     </p:extLst>
   </p:cSld>
@@ -4006,7 +3983,25 @@
           <a:p>
             <a:r>
               <a:rPr lang="en-US" dirty="0" smtClean="0"/>
-              <a:t>Makes it possible to call the app web or host web from JavaScript in the remote web</a:t>
+              <a:t>You’ll also need</a:t>
+            </a:r>
+          </a:p>
+          <a:p>
+            <a:r>
+              <a:rPr lang="en-US" dirty="0" smtClean="0"/>
+              <a:t>Sp.runtime.js</a:t>
+            </a:r>
+          </a:p>
+          <a:p>
+            <a:r>
+              <a:rPr lang="en-US" dirty="0" smtClean="0"/>
+              <a:t>Sp.js</a:t>
+            </a:r>
+          </a:p>
+          <a:p>
+            <a:r>
+              <a:rPr lang="en-US" dirty="0" smtClean="0"/>
+              <a:t>MicrosoftAjax.js</a:t>
             </a:r>
             <a:endParaRPr lang="en-US" dirty="0"/>
           </a:p>
@@ -4027,7 +4022,7 @@
           <a:bodyPr/>
           <a:lstStyle/>
           <a:p>
-            <a:fld id="{4ADE35DD-7265-41C6-9E2A-205ADF0B08D5}" type="datetime1">
+            <a:fld id="{953A25BC-2652-4E9B-8E04-C98C3E52A4F0}" type="datetime1">
               <a:rPr lang="en-US" smtClean="0"/>
               <a:t>8/21/2014</a:t>
             </a:fld>
@@ -4160,7 +4155,7 @@
     </p:spTree>
     <p:extLst>
       <p:ext uri="{BB962C8B-B14F-4D97-AF65-F5344CB8AC3E}">
-        <p14:creationId xmlns:p14="http://schemas.microsoft.com/office/powerpoint/2010/main" val="2842563969"/>
+        <p14:creationId xmlns:p14="http://schemas.microsoft.com/office/powerpoint/2010/main" val="3698973113"/>
       </p:ext>
     </p:extLst>
   </p:cSld>
@@ -4334,7 +4329,7 @@
           <a:p>
             <a:fld id="{B4008EB6-D09E-4580-8CD6-DDB14511944F}" type="slidenum">
               <a:rPr lang="en-US" smtClean="0"/>
-              <a:t>40</a:t>
+              <a:t>39</a:t>
             </a:fld>
             <a:endParaRPr lang="en-US" dirty="0"/>
           </a:p>
@@ -4544,7 +4539,7 @@
           <a:p>
             <a:fld id="{B4008EB6-D09E-4580-8CD6-DDB14511944F}" type="slidenum">
               <a:rPr lang="en-US" smtClean="0"/>
-              <a:t>41</a:t>
+              <a:t>40</a:t>
             </a:fld>
             <a:endParaRPr lang="en-US" dirty="0"/>
           </a:p>
@@ -4773,7 +4768,7 @@
           <a:p>
             <a:fld id="{B4008EB6-D09E-4580-8CD6-DDB14511944F}" type="slidenum">
               <a:rPr lang="en-US" smtClean="0"/>
-              <a:t>42</a:t>
+              <a:t>41</a:t>
             </a:fld>
             <a:endParaRPr lang="en-US" dirty="0"/>
           </a:p>
@@ -4979,7 +4974,7 @@
           <a:p>
             <a:fld id="{B4008EB6-D09E-4580-8CD6-DDB14511944F}" type="slidenum">
               <a:rPr lang="en-US" smtClean="0"/>
-              <a:t>43</a:t>
+              <a:t>42</a:t>
             </a:fld>
             <a:endParaRPr lang="en-US" dirty="0"/>
           </a:p>
@@ -5240,7 +5235,7 @@
             <a:fld id="{B4008EB6-D09E-4580-8CD6-DDB14511944F}" type="slidenum">
               <a:rPr lang="en-US" smtClean="0"/>
               <a:pPr/>
-              <a:t>44</a:t>
+              <a:t>43</a:t>
             </a:fld>
             <a:endParaRPr lang="en-US" dirty="0"/>
           </a:p>
@@ -5481,7 +5476,7 @@
           <a:p>
             <a:fld id="{B4008EB6-D09E-4580-8CD6-DDB14511944F}" type="slidenum">
               <a:rPr lang="en-US" smtClean="0"/>
-              <a:t>45</a:t>
+              <a:t>44</a:t>
             </a:fld>
             <a:endParaRPr lang="en-US" dirty="0"/>
           </a:p>
@@ -24827,11 +24822,11 @@
   <p:clrMapOvr>
     <a:masterClrMapping/>
   </p:clrMapOvr>
-  <mc:AlternateContent xmlns:mc="http://schemas.openxmlformats.org/markup-compatibility/2006">
-    <mc:Choice xmlns:p14="http://schemas.microsoft.com/office/powerpoint/2010/main" Requires="p14">
+  <mc:AlternateContent xmlns:mc="http://schemas.openxmlformats.org/markup-compatibility/2006" xmlns:p14="http://schemas.microsoft.com/office/powerpoint/2010/main">
+    <mc:Choice Requires="p14">
       <p:transition spd="slow" p14:dur="2000"/>
     </mc:Choice>
-    <mc:Fallback>
+    <mc:Fallback xmlns="">
       <p:transition spd="slow"/>
     </mc:Fallback>
   </mc:AlternateContent>
@@ -24919,11 +24914,11 @@
   <p:clrMapOvr>
     <a:masterClrMapping/>
   </p:clrMapOvr>
-  <mc:AlternateContent xmlns:mc="http://schemas.openxmlformats.org/markup-compatibility/2006">
-    <mc:Choice xmlns:p14="http://schemas.microsoft.com/office/powerpoint/2010/main" Requires="p14">
+  <mc:AlternateContent xmlns:mc="http://schemas.openxmlformats.org/markup-compatibility/2006" xmlns:p14="http://schemas.microsoft.com/office/powerpoint/2010/main">
+    <mc:Choice Requires="p14">
       <p:transition spd="slow" p14:dur="2000"/>
     </mc:Choice>
-    <mc:Fallback>
+    <mc:Fallback xmlns="">
       <p:transition spd="slow"/>
     </mc:Fallback>
   </mc:AlternateContent>
@@ -24973,7 +24968,6 @@
               <a:rPr lang="en-US" dirty="0"/>
               <a:t>Hooking into Apps for SharePoint</a:t>
             </a:r>
-            <a:endParaRPr lang="en-US" dirty="0"/>
           </a:p>
         </p:txBody>
       </p:sp>
@@ -25911,7 +25905,11 @@
           <a:p>
             <a:r>
               <a:rPr lang="en-US" dirty="0" smtClean="0"/>
-              <a:t>Creating an App Part with a Provider-Hosted App</a:t>
+              <a:t>Programming </a:t>
+            </a:r>
+            <a:r>
+              <a:rPr lang="en-US" smtClean="0"/>
+              <a:t>OAuth</a:t>
             </a:r>
             <a:endParaRPr lang="en-US" dirty="0"/>
           </a:p>
@@ -26000,11 +25998,7 @@
           <a:p>
             <a:r>
               <a:rPr lang="en-US" dirty="0" smtClean="0"/>
-              <a:t>Programming </a:t>
-            </a:r>
-            <a:r>
-              <a:rPr lang="en-US" dirty="0" smtClean="0"/>
-              <a:t>Cross-Domain Library</a:t>
+              <a:t>Programming Cross-Domain Library</a:t>
             </a:r>
             <a:endParaRPr lang="en-US" dirty="0"/>
           </a:p>
@@ -26083,7 +26077,7 @@
         <p:spPr>
           <a:xfrm>
             <a:off x="519112" y="1447799"/>
-            <a:ext cx="11149013" cy="4400342"/>
+            <a:ext cx="11149013" cy="4741986"/>
           </a:xfrm>
         </p:spPr>
         <p:txBody>
@@ -26092,28 +26086,21 @@
           <a:p>
             <a:r>
               <a:rPr lang="en-US" dirty="0" smtClean="0"/>
-              <a:t>SPContext.js Library part of project template</a:t>
-            </a:r>
-          </a:p>
-          <a:p>
-            <a:r>
-              <a:rPr lang="en-US" dirty="0"/>
-              <a:t>Appends </a:t>
-            </a:r>
-            <a:r>
-              <a:rPr lang="en-US" dirty="0" err="1"/>
-              <a:t>SPHostUrl</a:t>
-            </a:r>
-            <a:r>
-              <a:rPr lang="en-US" dirty="0"/>
-              <a:t> as query string to all the links which point to current </a:t>
-            </a:r>
+              <a:t>Same-domain policy prevents JavaScript from making direct calls to either the app web or host web from the remote web</a:t>
+            </a:r>
+          </a:p>
+          <a:p>
             <a:r>
               <a:rPr lang="en-US" dirty="0" smtClean="0"/>
-              <a:t>domain</a:t>
-            </a:r>
-          </a:p>
-          <a:p>
+              <a:t>Required to make JavaScript calls to both the </a:t>
+            </a:r>
+            <a:br>
+              <a:rPr lang="en-US" dirty="0" smtClean="0"/>
+            </a:br>
+            <a:r>
+              <a:rPr lang="en-US" dirty="0" smtClean="0"/>
+              <a:t>app web and host web</a:t>
+            </a:r>
             <a:endParaRPr lang="en-US" dirty="0"/>
           </a:p>
         </p:txBody>
@@ -26135,7 +26122,7 @@
           <a:p>
             <a:r>
               <a:rPr lang="en-US" dirty="0" smtClean="0"/>
-              <a:t>Managing SharePoint Context</a:t>
+              <a:t>Cross Domain Library</a:t>
             </a:r>
             <a:endParaRPr lang="en-US" dirty="0"/>
           </a:p>
@@ -26168,7 +26155,7 @@
     </p:spTree>
     <p:extLst>
       <p:ext uri="{BB962C8B-B14F-4D97-AF65-F5344CB8AC3E}">
-        <p14:creationId xmlns:p14="http://schemas.microsoft.com/office/powerpoint/2010/main" val="1490276436"/>
+        <p14:creationId xmlns:p14="http://schemas.microsoft.com/office/powerpoint/2010/main" val="3156014083"/>
       </p:ext>
     </p:extLst>
   </p:cSld>
@@ -26218,7 +26205,7 @@
         <p:spPr>
           <a:xfrm>
             <a:off x="519112" y="1447799"/>
-            <a:ext cx="11149013" cy="4741986"/>
+            <a:ext cx="11149013" cy="2501204"/>
           </a:xfrm>
         </p:spPr>
         <p:txBody>
@@ -26227,43 +26214,42 @@
           <a:p>
             <a:r>
               <a:rPr lang="en-US" dirty="0" smtClean="0"/>
-              <a:t>Same-domain policy prevents JavaScript from making direct calls to either the app web or host web from the remote web</a:t>
+              <a:t>SP.RequestExecutor.js located in LAYOUTS directory</a:t>
             </a:r>
           </a:p>
           <a:p>
             <a:r>
               <a:rPr lang="en-US" dirty="0" smtClean="0"/>
-              <a:t>Required to make JavaScript calls to both the </a:t>
-            </a:r>
-            <a:br>
+              <a:t>Option 1: Copy and include directly in your app</a:t>
+            </a:r>
+          </a:p>
+          <a:p>
+            <a:r>
               <a:rPr lang="en-US" dirty="0" smtClean="0"/>
-            </a:br>
+              <a:t>Option 2: Load Dynamically using jQuery</a:t>
+            </a:r>
+            <a:endParaRPr lang="en-US" dirty="0"/>
+          </a:p>
+        </p:txBody>
+      </p:sp>
+      <p:sp>
+        <p:nvSpPr>
+          <p:cNvPr id="3" name="Title 2"/>
+          <p:cNvSpPr>
+            <a:spLocks noGrp="1"/>
+          </p:cNvSpPr>
+          <p:nvPr>
+            <p:ph type="title"/>
+          </p:nvPr>
+        </p:nvSpPr>
+        <p:spPr/>
+        <p:txBody>
+          <a:bodyPr/>
+          <a:lstStyle/>
+          <a:p>
             <a:r>
               <a:rPr lang="en-US" dirty="0" smtClean="0"/>
-              <a:t>app web and host web</a:t>
-            </a:r>
-            <a:endParaRPr lang="en-US" dirty="0"/>
-          </a:p>
-        </p:txBody>
-      </p:sp>
-      <p:sp>
-        <p:nvSpPr>
-          <p:cNvPr id="3" name="Title 2"/>
-          <p:cNvSpPr>
-            <a:spLocks noGrp="1"/>
-          </p:cNvSpPr>
-          <p:nvPr>
-            <p:ph type="title"/>
-          </p:nvPr>
-        </p:nvSpPr>
-        <p:spPr/>
-        <p:txBody>
-          <a:bodyPr/>
-          <a:lstStyle/>
-          <a:p>
-            <a:r>
-              <a:rPr lang="en-US" dirty="0" smtClean="0"/>
-              <a:t>Cross Domain Library</a:t>
+              <a:t>Loading the Cross-Domain Library</a:t>
             </a:r>
             <a:endParaRPr lang="en-US" dirty="0"/>
           </a:p>
@@ -26288,133 +26274,6 @@
               <a:rPr lang="en-US" smtClean="0"/>
               <a:pPr/>
               <a:t>38</a:t>
-            </a:fld>
-            <a:endParaRPr lang="en-US" dirty="0"/>
-          </a:p>
-        </p:txBody>
-      </p:sp>
-    </p:spTree>
-    <p:extLst>
-      <p:ext uri="{BB962C8B-B14F-4D97-AF65-F5344CB8AC3E}">
-        <p14:creationId xmlns:p14="http://schemas.microsoft.com/office/powerpoint/2010/main" val="3156014083"/>
-      </p:ext>
-    </p:extLst>
-  </p:cSld>
-  <p:clrMapOvr>
-    <a:masterClrMapping/>
-  </p:clrMapOvr>
-  <p:transition>
-    <p:fade/>
-  </p:transition>
-  <p:timing>
-    <p:tnLst>
-      <p:par>
-        <p:cTn id="1" dur="indefinite" restart="never" nodeType="tmRoot"/>
-      </p:par>
-    </p:tnLst>
-  </p:timing>
-</p:sld>
-</file>
-
-<file path=ppt/slides/slide39.xml><?xml version="1.0" encoding="utf-8"?>
-<p:sld xmlns:a="http://schemas.openxmlformats.org/drawingml/2006/main" xmlns:r="http://schemas.openxmlformats.org/officeDocument/2006/relationships" xmlns:p="http://schemas.openxmlformats.org/presentationml/2006/main">
-  <p:cSld>
-    <p:spTree>
-      <p:nvGrpSpPr>
-        <p:cNvPr id="1" name=""/>
-        <p:cNvGrpSpPr/>
-        <p:nvPr/>
-      </p:nvGrpSpPr>
-      <p:grpSpPr>
-        <a:xfrm>
-          <a:off x="0" y="0"/>
-          <a:ext cx="0" cy="0"/>
-          <a:chOff x="0" y="0"/>
-          <a:chExt cx="0" cy="0"/>
-        </a:xfrm>
-      </p:grpSpPr>
-      <p:sp>
-        <p:nvSpPr>
-          <p:cNvPr id="2" name="Text Placeholder 1"/>
-          <p:cNvSpPr>
-            <a:spLocks noGrp="1"/>
-          </p:cNvSpPr>
-          <p:nvPr>
-            <p:ph type="body" sz="quarter" idx="10"/>
-          </p:nvPr>
-        </p:nvSpPr>
-        <p:spPr>
-          <a:xfrm>
-            <a:off x="519112" y="1447799"/>
-            <a:ext cx="11149013" cy="2501204"/>
-          </a:xfrm>
-        </p:spPr>
-        <p:txBody>
-          <a:bodyPr/>
-          <a:lstStyle/>
-          <a:p>
-            <a:r>
-              <a:rPr lang="en-US" dirty="0" smtClean="0"/>
-              <a:t>SP.RequestExecutor.js located in LAYOUTS directory</a:t>
-            </a:r>
-          </a:p>
-          <a:p>
-            <a:r>
-              <a:rPr lang="en-US" dirty="0" smtClean="0"/>
-              <a:t>Option 1: Copy and include directly in your app</a:t>
-            </a:r>
-          </a:p>
-          <a:p>
-            <a:r>
-              <a:rPr lang="en-US" dirty="0" smtClean="0"/>
-              <a:t>Option 2: Load Dynamically using jQuery</a:t>
-            </a:r>
-            <a:endParaRPr lang="en-US" dirty="0"/>
-          </a:p>
-        </p:txBody>
-      </p:sp>
-      <p:sp>
-        <p:nvSpPr>
-          <p:cNvPr id="3" name="Title 2"/>
-          <p:cNvSpPr>
-            <a:spLocks noGrp="1"/>
-          </p:cNvSpPr>
-          <p:nvPr>
-            <p:ph type="title"/>
-          </p:nvPr>
-        </p:nvSpPr>
-        <p:spPr/>
-        <p:txBody>
-          <a:bodyPr/>
-          <a:lstStyle/>
-          <a:p>
-            <a:r>
-              <a:rPr lang="en-US" dirty="0" smtClean="0"/>
-              <a:t>Loading the Cross-Domain Library</a:t>
-            </a:r>
-            <a:endParaRPr lang="en-US" dirty="0"/>
-          </a:p>
-        </p:txBody>
-      </p:sp>
-      <p:sp>
-        <p:nvSpPr>
-          <p:cNvPr id="4" name="Slide Number Placeholder 3"/>
-          <p:cNvSpPr>
-            <a:spLocks noGrp="1"/>
-          </p:cNvSpPr>
-          <p:nvPr>
-            <p:ph type="sldNum" sz="quarter" idx="12"/>
-          </p:nvPr>
-        </p:nvSpPr>
-        <p:spPr/>
-        <p:txBody>
-          <a:bodyPr/>
-          <a:lstStyle/>
-          <a:p>
-            <a:fld id="{727B4C2D-45E2-4621-8491-2995EB46A674}" type="slidenum">
-              <a:rPr lang="en-US" smtClean="0"/>
-              <a:pPr/>
-              <a:t>39</a:t>
             </a:fld>
             <a:endParaRPr lang="en-US" dirty="0"/>
           </a:p>
@@ -26429,7 +26288,7 @@
           <p:nvPr/>
         </p:nvPicPr>
         <p:blipFill>
-          <a:blip r:embed="rId2">
+          <a:blip r:embed="rId3">
             <a:extLst>
               <a:ext uri="{28A0092B-C50C-407E-A947-70E740481C1C}">
                 <a14:useLocalDpi xmlns:a14="http://schemas.microsoft.com/office/drawing/2010/main" val="0"/>
@@ -26473,7 +26332,7 @@
 </p:sld>
 </file>
 
-<file path=ppt/slides/slide4.xml><?xml version="1.0" encoding="utf-8"?>
+<file path=ppt/slides/slide39.xml><?xml version="1.0" encoding="utf-8"?>
 <p:sld xmlns:a="http://schemas.openxmlformats.org/drawingml/2006/main" xmlns:r="http://schemas.openxmlformats.org/officeDocument/2006/relationships" xmlns:p="http://schemas.openxmlformats.org/presentationml/2006/main">
   <p:cSld>
     <p:spTree>
@@ -26492,159 +26351,6 @@
       </p:grpSpPr>
       <p:sp>
         <p:nvSpPr>
-          <p:cNvPr id="2" name="Text Placeholder 1"/>
-          <p:cNvSpPr>
-            <a:spLocks noGrp="1"/>
-          </p:cNvSpPr>
-          <p:nvPr>
-            <p:ph type="body" sz="quarter" idx="15"/>
-          </p:nvPr>
-        </p:nvSpPr>
-        <p:spPr>
-          <a:xfrm>
-            <a:off x="4570903" y="1814048"/>
-            <a:ext cx="7617922" cy="2881519"/>
-          </a:xfrm>
-        </p:spPr>
-        <p:txBody>
-          <a:bodyPr/>
-          <a:lstStyle/>
-          <a:p>
-            <a:r>
-              <a:rPr lang="en-US" dirty="0" smtClean="0"/>
-              <a:t>Introduction</a:t>
-            </a:r>
-          </a:p>
-          <a:p>
-            <a:r>
-              <a:rPr lang="en-US" dirty="0" smtClean="0"/>
-              <a:t>Programming </a:t>
-            </a:r>
-            <a:r>
-              <a:rPr lang="en-US" dirty="0" err="1" smtClean="0"/>
-              <a:t>OAuth</a:t>
-            </a:r>
-            <a:endParaRPr lang="en-US" dirty="0" smtClean="0"/>
-          </a:p>
-          <a:p>
-            <a:r>
-              <a:rPr lang="en-US" dirty="0" smtClean="0"/>
-              <a:t>Programming </a:t>
-            </a:r>
-            <a:r>
-              <a:rPr lang="en-US" dirty="0" smtClean="0"/>
-              <a:t>Cross-Domain Library</a:t>
-            </a:r>
-            <a:endParaRPr lang="en-US" dirty="0" smtClean="0"/>
-          </a:p>
-        </p:txBody>
-      </p:sp>
-      <p:pic>
-        <p:nvPicPr>
-          <p:cNvPr id="4" name="Picture Placeholder 3"/>
-          <p:cNvPicPr>
-            <a:picLocks noGrp="1" noChangeAspect="1"/>
-          </p:cNvPicPr>
-          <p:nvPr>
-            <p:ph type="pic" sz="quarter" idx="16"/>
-          </p:nvPr>
-        </p:nvPicPr>
-        <p:blipFill>
-          <a:blip r:embed="rId3">
-            <a:extLst>
-              <a:ext uri="{28A0092B-C50C-407E-A947-70E740481C1C}">
-                <a14:useLocalDpi xmlns:a14="http://schemas.microsoft.com/office/drawing/2010/main" val="0"/>
-              </a:ext>
-            </a:extLst>
-          </a:blip>
-          <a:stretch>
-            <a:fillRect/>
-          </a:stretch>
-        </p:blipFill>
-        <p:spPr>
-          <a:xfrm>
-            <a:off x="269169" y="1905492"/>
-            <a:ext cx="4301734" cy="2865616"/>
-          </a:xfrm>
-        </p:spPr>
-      </p:pic>
-      <p:sp>
-        <p:nvSpPr>
-          <p:cNvPr id="5" name="Title 4"/>
-          <p:cNvSpPr>
-            <a:spLocks noGrp="1"/>
-          </p:cNvSpPr>
-          <p:nvPr>
-            <p:ph type="title"/>
-          </p:nvPr>
-        </p:nvSpPr>
-        <p:spPr/>
-        <p:txBody>
-          <a:bodyPr/>
-          <a:lstStyle/>
-          <a:p>
-            <a:r>
-              <a:rPr lang="en-US" dirty="0" smtClean="0"/>
-              <a:t>Agenda</a:t>
-            </a:r>
-            <a:br>
-              <a:rPr lang="en-US" dirty="0" smtClean="0"/>
-            </a:br>
-            <a:endParaRPr lang="en-US" dirty="0"/>
-          </a:p>
-        </p:txBody>
-      </p:sp>
-    </p:spTree>
-    <p:extLst>
-      <p:ext uri="{BB962C8B-B14F-4D97-AF65-F5344CB8AC3E}">
-        <p14:creationId xmlns:p14="http://schemas.microsoft.com/office/powerpoint/2010/main" val="2395946767"/>
-      </p:ext>
-    </p:extLst>
-  </p:cSld>
-  <p:clrMapOvr>
-    <a:masterClrMapping/>
-  </p:clrMapOvr>
-  <mc:AlternateContent xmlns:mc="http://schemas.openxmlformats.org/markup-compatibility/2006" xmlns:p14="http://schemas.microsoft.com/office/powerpoint/2010/main">
-    <mc:Choice Requires="p14">
-      <p:transition spd="med" p14:dur="700">
-        <p:fade/>
-      </p:transition>
-    </mc:Choice>
-    <mc:Fallback xmlns="">
-      <p:transition spd="med">
-        <p:fade/>
-      </p:transition>
-    </mc:Fallback>
-  </mc:AlternateContent>
-  <p:timing>
-    <p:tnLst>
-      <p:par>
-        <p:cTn id="1" dur="indefinite" restart="never" nodeType="tmRoot"/>
-      </p:par>
-    </p:tnLst>
-  </p:timing>
-</p:sld>
-</file>
-
-<file path=ppt/slides/slide40.xml><?xml version="1.0" encoding="utf-8"?>
-<p:sld xmlns:a="http://schemas.openxmlformats.org/drawingml/2006/main" xmlns:r="http://schemas.openxmlformats.org/officeDocument/2006/relationships" xmlns:p="http://schemas.openxmlformats.org/presentationml/2006/main">
-  <p:cSld>
-    <p:spTree>
-      <p:nvGrpSpPr>
-        <p:cNvPr id="1" name=""/>
-        <p:cNvGrpSpPr/>
-        <p:nvPr/>
-      </p:nvGrpSpPr>
-      <p:grpSpPr>
-        <a:xfrm>
-          <a:off x="0" y="0"/>
-          <a:ext cx="0" cy="0"/>
-          <a:chOff x="0" y="0"/>
-          <a:chExt cx="0" cy="0"/>
-        </a:xfrm>
-      </p:grpSpPr>
-      <p:sp>
-        <p:nvSpPr>
           <p:cNvPr id="2" name="Title 1"/>
           <p:cNvSpPr>
             <a:spLocks noGrp="1"/>
@@ -26684,7 +26390,7 @@
             <a:fld id="{727B4C2D-45E2-4621-8491-2995EB46A674}" type="slidenum">
               <a:rPr lang="en-US" smtClean="0"/>
               <a:pPr/>
-              <a:t>40</a:t>
+              <a:t>39</a:t>
             </a:fld>
             <a:endParaRPr lang="en-US" dirty="0"/>
           </a:p>
@@ -27841,7 +27547,7 @@
 </p:sld>
 </file>
 
-<file path=ppt/slides/slide41.xml><?xml version="1.0" encoding="utf-8"?>
+<file path=ppt/slides/slide4.xml><?xml version="1.0" encoding="utf-8"?>
 <p:sld xmlns:a="http://schemas.openxmlformats.org/drawingml/2006/main" xmlns:r="http://schemas.openxmlformats.org/officeDocument/2006/relationships" xmlns:p="http://schemas.openxmlformats.org/presentationml/2006/main">
   <p:cSld>
     <p:spTree>
@@ -27860,6 +27566,154 @@
       </p:grpSpPr>
       <p:sp>
         <p:nvSpPr>
+          <p:cNvPr id="2" name="Text Placeholder 1"/>
+          <p:cNvSpPr>
+            <a:spLocks noGrp="1"/>
+          </p:cNvSpPr>
+          <p:nvPr>
+            <p:ph type="body" sz="quarter" idx="15"/>
+          </p:nvPr>
+        </p:nvSpPr>
+        <p:spPr>
+          <a:xfrm>
+            <a:off x="4570903" y="1814048"/>
+            <a:ext cx="7617922" cy="2881519"/>
+          </a:xfrm>
+        </p:spPr>
+        <p:txBody>
+          <a:bodyPr/>
+          <a:lstStyle/>
+          <a:p>
+            <a:r>
+              <a:rPr lang="en-US" dirty="0" smtClean="0"/>
+              <a:t>Introduction</a:t>
+            </a:r>
+          </a:p>
+          <a:p>
+            <a:r>
+              <a:rPr lang="en-US" dirty="0" smtClean="0"/>
+              <a:t>Programming </a:t>
+            </a:r>
+            <a:r>
+              <a:rPr lang="en-US" dirty="0" err="1" smtClean="0"/>
+              <a:t>OAuth</a:t>
+            </a:r>
+            <a:endParaRPr lang="en-US" dirty="0" smtClean="0"/>
+          </a:p>
+          <a:p>
+            <a:r>
+              <a:rPr lang="en-US" dirty="0" smtClean="0"/>
+              <a:t>Programming Cross-Domain Library</a:t>
+            </a:r>
+          </a:p>
+        </p:txBody>
+      </p:sp>
+      <p:pic>
+        <p:nvPicPr>
+          <p:cNvPr id="4" name="Picture Placeholder 3"/>
+          <p:cNvPicPr>
+            <a:picLocks noGrp="1" noChangeAspect="1"/>
+          </p:cNvPicPr>
+          <p:nvPr>
+            <p:ph type="pic" sz="quarter" idx="16"/>
+          </p:nvPr>
+        </p:nvPicPr>
+        <p:blipFill>
+          <a:blip r:embed="rId3">
+            <a:extLst>
+              <a:ext uri="{28A0092B-C50C-407E-A947-70E740481C1C}">
+                <a14:useLocalDpi xmlns:a14="http://schemas.microsoft.com/office/drawing/2010/main" val="0"/>
+              </a:ext>
+            </a:extLst>
+          </a:blip>
+          <a:stretch>
+            <a:fillRect/>
+          </a:stretch>
+        </p:blipFill>
+        <p:spPr>
+          <a:xfrm>
+            <a:off x="269169" y="1905492"/>
+            <a:ext cx="4301734" cy="2865616"/>
+          </a:xfrm>
+        </p:spPr>
+      </p:pic>
+      <p:sp>
+        <p:nvSpPr>
+          <p:cNvPr id="5" name="Title 4"/>
+          <p:cNvSpPr>
+            <a:spLocks noGrp="1"/>
+          </p:cNvSpPr>
+          <p:nvPr>
+            <p:ph type="title"/>
+          </p:nvPr>
+        </p:nvSpPr>
+        <p:spPr/>
+        <p:txBody>
+          <a:bodyPr/>
+          <a:lstStyle/>
+          <a:p>
+            <a:r>
+              <a:rPr lang="en-US" dirty="0" smtClean="0"/>
+              <a:t>Agenda</a:t>
+            </a:r>
+            <a:br>
+              <a:rPr lang="en-US" dirty="0" smtClean="0"/>
+            </a:br>
+            <a:endParaRPr lang="en-US" dirty="0"/>
+          </a:p>
+        </p:txBody>
+      </p:sp>
+    </p:spTree>
+    <p:extLst>
+      <p:ext uri="{BB962C8B-B14F-4D97-AF65-F5344CB8AC3E}">
+        <p14:creationId xmlns:p14="http://schemas.microsoft.com/office/powerpoint/2010/main" val="2395946767"/>
+      </p:ext>
+    </p:extLst>
+  </p:cSld>
+  <p:clrMapOvr>
+    <a:masterClrMapping/>
+  </p:clrMapOvr>
+  <mc:AlternateContent xmlns:mc="http://schemas.openxmlformats.org/markup-compatibility/2006" xmlns:p14="http://schemas.microsoft.com/office/powerpoint/2010/main">
+    <mc:Choice Requires="p14">
+      <p:transition spd="med" p14:dur="700">
+        <p:fade/>
+      </p:transition>
+    </mc:Choice>
+    <mc:Fallback xmlns="">
+      <p:transition spd="med">
+        <p:fade/>
+      </p:transition>
+    </mc:Fallback>
+  </mc:AlternateContent>
+  <p:timing>
+    <p:tnLst>
+      <p:par>
+        <p:cTn id="1" dur="indefinite" restart="never" nodeType="tmRoot"/>
+      </p:par>
+    </p:tnLst>
+  </p:timing>
+</p:sld>
+</file>
+
+<file path=ppt/slides/slide40.xml><?xml version="1.0" encoding="utf-8"?>
+<p:sld xmlns:a="http://schemas.openxmlformats.org/drawingml/2006/main" xmlns:r="http://schemas.openxmlformats.org/officeDocument/2006/relationships" xmlns:p="http://schemas.openxmlformats.org/presentationml/2006/main">
+  <p:cSld>
+    <p:spTree>
+      <p:nvGrpSpPr>
+        <p:cNvPr id="1" name=""/>
+        <p:cNvGrpSpPr/>
+        <p:nvPr/>
+      </p:nvGrpSpPr>
+      <p:grpSpPr>
+        <a:xfrm>
+          <a:off x="0" y="0"/>
+          <a:ext cx="0" cy="0"/>
+          <a:chOff x="0" y="0"/>
+          <a:chExt cx="0" cy="0"/>
+        </a:xfrm>
+      </p:grpSpPr>
+      <p:sp>
+        <p:nvSpPr>
           <p:cNvPr id="2" name="Title 1"/>
           <p:cNvSpPr>
             <a:spLocks noGrp="1"/>
@@ -27899,7 +27753,7 @@
             <a:fld id="{727B4C2D-45E2-4621-8491-2995EB46A674}" type="slidenum">
               <a:rPr lang="en-US" smtClean="0"/>
               <a:pPr/>
-              <a:t>41</a:t>
+              <a:t>40</a:t>
             </a:fld>
             <a:endParaRPr lang="en-US" dirty="0"/>
           </a:p>
@@ -28080,7 +27934,7 @@
 </p:sld>
 </file>
 
-<file path=ppt/slides/slide42.xml><?xml version="1.0" encoding="utf-8"?>
+<file path=ppt/slides/slide41.xml><?xml version="1.0" encoding="utf-8"?>
 <p:sld xmlns:a="http://schemas.openxmlformats.org/drawingml/2006/main" xmlns:r="http://schemas.openxmlformats.org/officeDocument/2006/relationships" xmlns:p="http://schemas.openxmlformats.org/presentationml/2006/main">
   <p:cSld>
     <p:spTree>
@@ -28138,7 +27992,7 @@
             <a:fld id="{727B4C2D-45E2-4621-8491-2995EB46A674}" type="slidenum">
               <a:rPr lang="en-US" smtClean="0"/>
               <a:pPr/>
-              <a:t>42</a:t>
+              <a:t>41</a:t>
             </a:fld>
             <a:endParaRPr lang="en-US" dirty="0"/>
           </a:p>
@@ -28319,7 +28173,7 @@
 </p:sld>
 </file>
 
-<file path=ppt/slides/slide43.xml><?xml version="1.0" encoding="utf-8"?>
+<file path=ppt/slides/slide42.xml><?xml version="1.0" encoding="utf-8"?>
 <p:sld xmlns:a="http://schemas.openxmlformats.org/drawingml/2006/main" xmlns:r="http://schemas.openxmlformats.org/officeDocument/2006/relationships" xmlns:p="http://schemas.openxmlformats.org/presentationml/2006/main">
   <p:cSld>
     <p:spTree>
@@ -28408,7 +28262,7 @@
 </p:sld>
 </file>
 
-<file path=ppt/slides/slide44.xml><?xml version="1.0" encoding="utf-8"?>
+<file path=ppt/slides/slide43.xml><?xml version="1.0" encoding="utf-8"?>
 <p:sld xmlns:a="http://schemas.openxmlformats.org/drawingml/2006/main" xmlns:r="http://schemas.openxmlformats.org/officeDocument/2006/relationships" xmlns:p="http://schemas.openxmlformats.org/presentationml/2006/main">
   <p:cSld>
     <p:spTree>
@@ -28464,13 +28318,8 @@
           <a:p>
             <a:r>
               <a:rPr lang="en-US" dirty="0" smtClean="0"/>
-              <a:t>Programming </a:t>
-            </a:r>
-            <a:r>
-              <a:rPr lang="en-US" dirty="0" smtClean="0"/>
-              <a:t>Cross-Domain Library</a:t>
-            </a:r>
-            <a:endParaRPr lang="en-US" dirty="0" smtClean="0"/>
+              <a:t>Programming Cross-Domain Library</a:t>
+            </a:r>
           </a:p>
         </p:txBody>
       </p:sp>
@@ -28522,10 +28371,6 @@
               <a:rPr lang="en-US" dirty="0" smtClean="0"/>
               <a:t>Summary</a:t>
             </a:r>
-            <a:r>
-              <a:rPr lang="en-US" dirty="0" smtClean="0"/>
-              <a:t/>
-            </a:r>
             <a:br>
               <a:rPr lang="en-US" dirty="0" smtClean="0"/>
             </a:br>
@@ -28543,13 +28388,13 @@
   <p:clrMapOvr>
     <a:masterClrMapping/>
   </p:clrMapOvr>
-  <mc:AlternateContent xmlns:mc="http://schemas.openxmlformats.org/markup-compatibility/2006">
-    <mc:Choice xmlns:p14="http://schemas.microsoft.com/office/powerpoint/2010/main" Requires="p14">
+  <mc:AlternateContent xmlns:mc="http://schemas.openxmlformats.org/markup-compatibility/2006" xmlns:p14="http://schemas.microsoft.com/office/powerpoint/2010/main">
+    <mc:Choice Requires="p14">
       <p:transition spd="med" p14:dur="700">
         <p:fade/>
       </p:transition>
     </mc:Choice>
-    <mc:Fallback>
+    <mc:Fallback xmlns="">
       <p:transition spd="med">
         <p:fade/>
       </p:transition>
@@ -28565,7 +28410,7 @@
 </p:sld>
 </file>
 
-<file path=ppt/slides/slide45.xml><?xml version="1.0" encoding="utf-8"?>
+<file path=ppt/slides/slide44.xml><?xml version="1.0" encoding="utf-8"?>
 <p:sld xmlns:a="http://schemas.openxmlformats.org/drawingml/2006/main" xmlns:r="http://schemas.openxmlformats.org/officeDocument/2006/relationships" xmlns:p="http://schemas.openxmlformats.org/presentationml/2006/main">
   <p:cSld>
     <p:spTree>
@@ -31905,6 +31750,12 @@
 </file>
 
 <file path=customXml/item1.xml><?xml version="1.0" encoding="utf-8"?>
+<p:properties xmlns:p="http://schemas.microsoft.com/office/2006/metadata/properties" xmlns:xsi="http://www.w3.org/2001/XMLSchema-instance" xmlns:pc="http://schemas.microsoft.com/office/infopath/2007/PartnerControls">
+  <documentManagement/>
+</p:properties>
+</file>
+
+<file path=customXml/item2.xml><?xml version="1.0" encoding="utf-8"?>
 <ct:contentTypeSchema xmlns:ct="http://schemas.microsoft.com/office/2006/metadata/contentType" xmlns:ma="http://schemas.microsoft.com/office/2006/metadata/properties/metaAttributes" ct:_="" ma:_="" ma:contentTypeName="Document" ma:contentTypeID="0x010100A2E4C90AA7333249A7DBC8CC6F49919B" ma:contentTypeVersion="1" ma:contentTypeDescription="Create a new document." ma:contentTypeScope="" ma:versionID="e7b09f0f38d7ed30c7da14951e97abcc">
   <xsd:schema xmlns:xsd="http://www.w3.org/2001/XMLSchema" xmlns:xs="http://www.w3.org/2001/XMLSchema" xmlns:p="http://schemas.microsoft.com/office/2006/metadata/properties" xmlns:ns2="5fad15d0-477e-40da-a20d-40d4ca777cbd" targetNamespace="http://schemas.microsoft.com/office/2006/metadata/properties" ma:root="true" ma:fieldsID="0cee24db179c30c5ebec40b677cadf70" ns2:_="">
     <xsd:import namespace="5fad15d0-477e-40da-a20d-40d4ca777cbd"/>
@@ -32044,7 +31895,7 @@
 </ct:contentTypeSchema>
 </file>
 
-<file path=customXml/item2.xml><?xml version="1.0" encoding="utf-8"?>
+<file path=customXml/item3.xml><?xml version="1.0" encoding="utf-8"?>
 <?mso-contentType ?>
 <FormTemplates xmlns="http://schemas.microsoft.com/sharepoint/v3/contenttype/forms">
   <Display>DocumentLibraryForm</Display>
@@ -32053,13 +31904,23 @@
 </FormTemplates>
 </file>
 
-<file path=customXml/item3.xml><?xml version="1.0" encoding="utf-8"?>
-<p:properties xmlns:p="http://schemas.microsoft.com/office/2006/metadata/properties" xmlns:xsi="http://www.w3.org/2001/XMLSchema-instance" xmlns:pc="http://schemas.microsoft.com/office/infopath/2007/PartnerControls">
-  <documentManagement/>
-</p:properties>
+<file path=customXml/itemProps1.xml><?xml version="1.0" encoding="utf-8"?>
+<ds:datastoreItem xmlns:ds="http://schemas.openxmlformats.org/officeDocument/2006/customXml" ds:itemID="{DA593625-DB14-4FB0-B5A9-3269FA9C120B}">
+  <ds:schemaRefs>
+    <ds:schemaRef ds:uri="http://schemas.microsoft.com/office/2006/documentManagement/types"/>
+    <ds:schemaRef ds:uri="http://purl.org/dc/elements/1.1/"/>
+    <ds:schemaRef ds:uri="http://schemas.microsoft.com/office/2006/metadata/properties"/>
+    <ds:schemaRef ds:uri="5fad15d0-477e-40da-a20d-40d4ca777cbd"/>
+    <ds:schemaRef ds:uri="http://www.w3.org/XML/1998/namespace"/>
+    <ds:schemaRef ds:uri="http://schemas.microsoft.com/office/infopath/2007/PartnerControls"/>
+    <ds:schemaRef ds:uri="http://purl.org/dc/dcmitype/"/>
+    <ds:schemaRef ds:uri="http://schemas.openxmlformats.org/package/2006/metadata/core-properties"/>
+    <ds:schemaRef ds:uri="http://purl.org/dc/terms/"/>
+  </ds:schemaRefs>
+</ds:datastoreItem>
 </file>
 
-<file path=customXml/itemProps1.xml><?xml version="1.0" encoding="utf-8"?>
+<file path=customXml/itemProps2.xml><?xml version="1.0" encoding="utf-8"?>
 <ds:datastoreItem xmlns:ds="http://schemas.openxmlformats.org/officeDocument/2006/customXml" ds:itemID="{F17DCE38-6787-497B-B958-75817420EB1E}">
   <ds:schemaRefs>
     <ds:schemaRef ds:uri="http://schemas.microsoft.com/office/2006/metadata/contentType"/>
@@ -32077,26 +31938,10 @@
 </ds:datastoreItem>
 </file>
 
-<file path=customXml/itemProps2.xml><?xml version="1.0" encoding="utf-8"?>
+<file path=customXml/itemProps3.xml><?xml version="1.0" encoding="utf-8"?>
 <ds:datastoreItem xmlns:ds="http://schemas.openxmlformats.org/officeDocument/2006/customXml" ds:itemID="{E1E0CE18-CA03-4891-9CD8-3448778E3D53}">
   <ds:schemaRefs>
     <ds:schemaRef ds:uri="http://schemas.microsoft.com/sharepoint/v3/contenttype/forms"/>
   </ds:schemaRefs>
 </ds:datastoreItem>
-</file>
-
-<file path=customXml/itemProps3.xml><?xml version="1.0" encoding="utf-8"?>
-<ds:datastoreItem xmlns:ds="http://schemas.openxmlformats.org/officeDocument/2006/customXml" ds:itemID="{DA593625-DB14-4FB0-B5A9-3269FA9C120B}">
-  <ds:schemaRefs>
-    <ds:schemaRef ds:uri="http://schemas.microsoft.com/office/2006/documentManagement/types"/>
-    <ds:schemaRef ds:uri="http://purl.org/dc/elements/1.1/"/>
-    <ds:schemaRef ds:uri="http://schemas.microsoft.com/office/2006/metadata/properties"/>
-    <ds:schemaRef ds:uri="5fad15d0-477e-40da-a20d-40d4ca777cbd"/>
-    <ds:schemaRef ds:uri="http://www.w3.org/XML/1998/namespace"/>
-    <ds:schemaRef ds:uri="http://schemas.microsoft.com/office/infopath/2007/PartnerControls"/>
-    <ds:schemaRef ds:uri="http://purl.org/dc/dcmitype/"/>
-    <ds:schemaRef ds:uri="http://schemas.openxmlformats.org/package/2006/metadata/core-properties"/>
-    <ds:schemaRef ds:uri="http://purl.org/dc/terms/"/>
-  </ds:schemaRefs>
-</ds:datastoreItem>
 </file>